--- a/ML/PPT/lecture3-Classification.pptx
+++ b/ML/PPT/lecture3-Classification.pptx
@@ -5,7 +5,7 @@
     <p:sldMasterId id="2147483660" r:id="rId1"/>
   </p:sldMasterIdLst>
   <p:notesMasterIdLst>
-    <p:notesMasterId r:id="rId14"/>
+    <p:notesMasterId r:id="rId19"/>
   </p:notesMasterIdLst>
   <p:sldIdLst>
     <p:sldId id="256" r:id="rId2"/>
@@ -20,6 +20,11 @@
     <p:sldId id="268" r:id="rId11"/>
     <p:sldId id="267" r:id="rId12"/>
     <p:sldId id="269" r:id="rId13"/>
+    <p:sldId id="272" r:id="rId14"/>
+    <p:sldId id="273" r:id="rId15"/>
+    <p:sldId id="274" r:id="rId16"/>
+    <p:sldId id="270" r:id="rId17"/>
+    <p:sldId id="271" r:id="rId18"/>
   </p:sldIdLst>
   <p:sldSz cx="9144000" cy="6858000" type="screen4x3"/>
   <p:notesSz cx="6858000" cy="9144000"/>
@@ -137,10 +142,6 @@
 </p:presentation>
 </file>
 
-<file path=ppt/revisionInfo.xml><?xml version="1.0" encoding="utf-8"?>
-<p1510:revInfo xmlns:a="http://schemas.openxmlformats.org/drawingml/2006/main" xmlns:r="http://schemas.openxmlformats.org/officeDocument/2006/relationships" xmlns:p1510="http://schemas.microsoft.com/office/powerpoint/2015/10/main"/>
-</file>
-
 <file path=ppt/notesMasters/notesMaster1.xml><?xml version="1.0" encoding="utf-8"?>
 <p:notesMaster xmlns:a="http://schemas.openxmlformats.org/drawingml/2006/main" xmlns:r="http://schemas.openxmlformats.org/officeDocument/2006/relationships" xmlns:p="http://schemas.openxmlformats.org/presentationml/2006/main">
   <p:cSld>
@@ -223,7 +224,7 @@
           <a:p>
             <a:fld id="{3FE918EF-26F2-F641-9B39-65E2E78847ED}" type="datetimeFigureOut">
               <a:rPr lang="en-US" smtClean="0"/>
-              <a:t>10/31/2017</a:t>
+              <a:t>11/1/2017</a:t>
             </a:fld>
             <a:endParaRPr lang="en-US"/>
           </a:p>
@@ -1176,7 +1177,7 @@
             <a:fld id="{23A271A1-F6D6-438B-A432-4747EE7ECD40}" type="datetimeFigureOut">
               <a:rPr lang="en-US" smtClean="0"/>
               <a:pPr algn="ctr" eaLnBrk="1" latinLnBrk="0" hangingPunct="1"/>
-              <a:t>10/31/2017</a:t>
+              <a:t>11/1/2017</a:t>
             </a:fld>
             <a:endParaRPr lang="en-US" sz="2000" dirty="0">
               <a:solidFill>
@@ -1382,7 +1383,7 @@
             <a:fld id="{23A271A1-F6D6-438B-A432-4747EE7ECD40}" type="datetimeFigureOut">
               <a:rPr lang="en-US" smtClean="0"/>
               <a:pPr eaLnBrk="1" latinLnBrk="0" hangingPunct="1"/>
-              <a:t>10/31/2017</a:t>
+              <a:t>11/1/2017</a:t>
             </a:fld>
             <a:endParaRPr lang="en-US"/>
           </a:p>
@@ -1569,7 +1570,7 @@
             <a:fld id="{23A271A1-F6D6-438B-A432-4747EE7ECD40}" type="datetimeFigureOut">
               <a:rPr lang="en-US" smtClean="0"/>
               <a:pPr eaLnBrk="1" latinLnBrk="0" hangingPunct="1"/>
-              <a:t>10/31/2017</a:t>
+              <a:t>11/1/2017</a:t>
             </a:fld>
             <a:endParaRPr lang="en-US" dirty="0"/>
           </a:p>
@@ -1834,7 +1835,7 @@
             <a:fld id="{23A271A1-F6D6-438B-A432-4747EE7ECD40}" type="datetimeFigureOut">
               <a:rPr lang="en-US" smtClean="0"/>
               <a:pPr eaLnBrk="1" latinLnBrk="0" hangingPunct="1"/>
-              <a:t>10/31/2017</a:t>
+              <a:t>11/1/2017</a:t>
             </a:fld>
             <a:endParaRPr lang="en-US" dirty="0"/>
           </a:p>
@@ -2256,7 +2257,7 @@
             <a:fld id="{23A271A1-F6D6-438B-A432-4747EE7ECD40}" type="datetimeFigureOut">
               <a:rPr lang="en-US" smtClean="0"/>
               <a:pPr eaLnBrk="1" latinLnBrk="0" hangingPunct="1"/>
-              <a:t>10/31/2017</a:t>
+              <a:t>11/1/2017</a:t>
             </a:fld>
             <a:endParaRPr lang="en-US"/>
           </a:p>
@@ -2505,7 +2506,7 @@
             <a:fld id="{23A271A1-F6D6-438B-A432-4747EE7ECD40}" type="datetimeFigureOut">
               <a:rPr lang="en-US" smtClean="0"/>
               <a:pPr eaLnBrk="1" latinLnBrk="0" hangingPunct="1"/>
-              <a:t>10/31/2017</a:t>
+              <a:t>11/1/2017</a:t>
             </a:fld>
             <a:endParaRPr lang="en-US"/>
           </a:p>
@@ -2744,7 +2745,7 @@
             <a:fld id="{23A271A1-F6D6-438B-A432-4747EE7ECD40}" type="datetimeFigureOut">
               <a:rPr lang="en-US" smtClean="0"/>
               <a:pPr eaLnBrk="1" latinLnBrk="0" hangingPunct="1"/>
-              <a:t>10/31/2017</a:t>
+              <a:t>11/1/2017</a:t>
             </a:fld>
             <a:endParaRPr lang="en-US"/>
           </a:p>
@@ -2942,7 +2943,7 @@
             <a:fld id="{23A271A1-F6D6-438B-A432-4747EE7ECD40}" type="datetimeFigureOut">
               <a:rPr lang="en-US" smtClean="0"/>
               <a:pPr eaLnBrk="1" latinLnBrk="0" hangingPunct="1"/>
-              <a:t>10/31/2017</a:t>
+              <a:t>11/1/2017</a:t>
             </a:fld>
             <a:endParaRPr lang="en-US"/>
           </a:p>
@@ -3047,7 +3048,7 @@
             <a:fld id="{23A271A1-F6D6-438B-A432-4747EE7ECD40}" type="datetimeFigureOut">
               <a:rPr lang="en-US" smtClean="0"/>
               <a:pPr eaLnBrk="1" latinLnBrk="0" hangingPunct="1"/>
-              <a:t>10/31/2017</a:t>
+              <a:t>11/1/2017</a:t>
             </a:fld>
             <a:endParaRPr lang="en-US"/>
           </a:p>
@@ -3189,7 +3190,7 @@
             <a:fld id="{23A271A1-F6D6-438B-A432-4747EE7ECD40}" type="datetimeFigureOut">
               <a:rPr lang="en-US" smtClean="0"/>
               <a:pPr eaLnBrk="1" latinLnBrk="0" hangingPunct="1"/>
-              <a:t>10/31/2017</a:t>
+              <a:t>11/1/2017</a:t>
             </a:fld>
             <a:endParaRPr lang="en-US"/>
           </a:p>
@@ -3713,7 +3714,7 @@
             <a:fld id="{23A271A1-F6D6-438B-A432-4747EE7ECD40}" type="datetimeFigureOut">
               <a:rPr lang="en-US" smtClean="0"/>
               <a:pPr eaLnBrk="1" latinLnBrk="0" hangingPunct="1"/>
-              <a:t>10/31/2017</a:t>
+              <a:t>11/1/2017</a:t>
             </a:fld>
             <a:endParaRPr lang="en-US"/>
           </a:p>
@@ -3976,7 +3977,7 @@
             <a:fld id="{23A271A1-F6D6-438B-A432-4747EE7ECD40}" type="datetimeFigureOut">
               <a:rPr lang="en-US" smtClean="0"/>
               <a:pPr eaLnBrk="1" latinLnBrk="0" hangingPunct="1"/>
-              <a:t>10/31/2017</a:t>
+              <a:t>11/1/2017</a:t>
             </a:fld>
             <a:endParaRPr lang="en-US" sz="1400" dirty="0">
               <a:solidFill>
@@ -4883,12 +4884,48 @@
           </a:p>
         </p:txBody>
       </p:sp>
+      <p:sp>
+        <p:nvSpPr>
+          <p:cNvPr id="5" name="TextBox 4">
+            <a:extLst>
+              <a:ext uri="{FF2B5EF4-FFF2-40B4-BE49-F238E27FC236}">
+                <a16:creationId xmlns:a16="http://schemas.microsoft.com/office/drawing/2014/main" id="{EDA510E1-9DE8-4F64-8421-B032F9271F86}"/>
+              </a:ext>
+            </a:extLst>
+          </p:cNvPr>
+          <p:cNvSpPr txBox="1"/>
+          <p:nvPr/>
+        </p:nvSpPr>
+        <p:spPr>
+          <a:xfrm>
+            <a:off x="762000" y="1666875"/>
+            <a:ext cx="6581775" cy="369332"/>
+          </a:xfrm>
+          <a:prstGeom prst="rect">
+            <a:avLst/>
+          </a:prstGeom>
+          <a:noFill/>
+        </p:spPr>
+        <p:txBody>
+          <a:bodyPr wrap="square" rtlCol="0">
+            <a:spAutoFit/>
+          </a:bodyPr>
+          <a:lstStyle/>
+          <a:p>
+            <a:r>
+              <a:rPr lang="en-US" altLang="zh-CN" dirty="0"/>
+              <a:t>CART: Classification and Regression Tree.</a:t>
+            </a:r>
+            <a:endParaRPr lang="en-US" dirty="0"/>
+          </a:p>
+        </p:txBody>
+      </p:sp>
       <p:pic>
         <p:nvPicPr>
-          <p:cNvPr id="4" name="Picture 3">
+          <p:cNvPr id="6" name="Picture 5">
             <a:extLst>
               <a:ext uri="{FF2B5EF4-FFF2-40B4-BE49-F238E27FC236}">
-                <a16:creationId xmlns:a16="http://schemas.microsoft.com/office/drawing/2014/main" id="{7FCC5240-2F98-464B-A26F-4AEAD1DB19F7}"/>
+                <a16:creationId xmlns:a16="http://schemas.microsoft.com/office/drawing/2014/main" id="{9736AB9B-CDB1-4C6E-A333-4C8D0D0400FD}"/>
               </a:ext>
             </a:extLst>
           </p:cNvPr>
@@ -4905,8 +4942,8 @@
         </p:blipFill>
         <p:spPr>
           <a:xfrm>
-            <a:off x="266700" y="1566862"/>
-            <a:ext cx="6477000" cy="2371725"/>
+            <a:off x="890587" y="2280166"/>
+            <a:ext cx="5953125" cy="4200525"/>
           </a:xfrm>
           <a:prstGeom prst="rect">
             <a:avLst/>
@@ -4917,6 +4954,483 @@
     <p:extLst>
       <p:ext uri="{BB962C8B-B14F-4D97-AF65-F5344CB8AC3E}">
         <p14:creationId xmlns:p14="http://schemas.microsoft.com/office/powerpoint/2010/main" val="557137434"/>
+      </p:ext>
+    </p:extLst>
+  </p:cSld>
+  <p:clrMapOvr>
+    <a:masterClrMapping/>
+  </p:clrMapOvr>
+</p:sld>
+</file>
+
+<file path=ppt/slides/slide13.xml><?xml version="1.0" encoding="utf-8"?>
+<p:sld xmlns:a="http://schemas.openxmlformats.org/drawingml/2006/main" xmlns:r="http://schemas.openxmlformats.org/officeDocument/2006/relationships" xmlns:p="http://schemas.openxmlformats.org/presentationml/2006/main">
+  <p:cSld>
+    <p:spTree>
+      <p:nvGrpSpPr>
+        <p:cNvPr id="1" name=""/>
+        <p:cNvGrpSpPr/>
+        <p:nvPr/>
+      </p:nvGrpSpPr>
+      <p:grpSpPr>
+        <a:xfrm>
+          <a:off x="0" y="0"/>
+          <a:ext cx="0" cy="0"/>
+          <a:chOff x="0" y="0"/>
+          <a:chExt cx="0" cy="0"/>
+        </a:xfrm>
+      </p:grpSpPr>
+      <p:pic>
+        <p:nvPicPr>
+          <p:cNvPr id="4" name="Content Placeholder 3">
+            <a:extLst>
+              <a:ext uri="{FF2B5EF4-FFF2-40B4-BE49-F238E27FC236}">
+                <a16:creationId xmlns:a16="http://schemas.microsoft.com/office/drawing/2014/main" id="{66EA212B-4CCA-4363-B878-77920CA617A0}"/>
+              </a:ext>
+            </a:extLst>
+          </p:cNvPr>
+          <p:cNvPicPr>
+            <a:picLocks noGrp="1" noChangeAspect="1"/>
+          </p:cNvPicPr>
+          <p:nvPr>
+            <p:ph sz="quarter" idx="1"/>
+          </p:nvPr>
+        </p:nvPicPr>
+        <p:blipFill>
+          <a:blip r:embed="rId2"/>
+          <a:stretch>
+            <a:fillRect/>
+          </a:stretch>
+        </p:blipFill>
+        <p:spPr>
+          <a:xfrm>
+            <a:off x="1050925" y="1933575"/>
+            <a:ext cx="5867400" cy="4076700"/>
+          </a:xfrm>
+          <a:prstGeom prst="rect">
+            <a:avLst/>
+          </a:prstGeom>
+        </p:spPr>
+      </p:pic>
+      <p:sp>
+        <p:nvSpPr>
+          <p:cNvPr id="5" name="TextBox 4">
+            <a:extLst>
+              <a:ext uri="{FF2B5EF4-FFF2-40B4-BE49-F238E27FC236}">
+                <a16:creationId xmlns:a16="http://schemas.microsoft.com/office/drawing/2014/main" id="{9D76B1E5-5928-4A0F-9FEB-EA2CFFB487F4}"/>
+              </a:ext>
+            </a:extLst>
+          </p:cNvPr>
+          <p:cNvSpPr txBox="1"/>
+          <p:nvPr/>
+        </p:nvSpPr>
+        <p:spPr>
+          <a:xfrm>
+            <a:off x="847725" y="590550"/>
+            <a:ext cx="7477125" cy="584775"/>
+          </a:xfrm>
+          <a:prstGeom prst="rect">
+            <a:avLst/>
+          </a:prstGeom>
+          <a:noFill/>
+        </p:spPr>
+        <p:txBody>
+          <a:bodyPr wrap="square" rtlCol="0">
+            <a:spAutoFit/>
+          </a:bodyPr>
+          <a:lstStyle/>
+          <a:p>
+            <a:r>
+              <a:rPr lang="en-US" altLang="zh-CN" sz="3200" dirty="0"/>
+              <a:t>CART: Classification and Regression Tree.</a:t>
+            </a:r>
+            <a:endParaRPr lang="en-US" sz="3200" dirty="0"/>
+          </a:p>
+        </p:txBody>
+      </p:sp>
+    </p:spTree>
+    <p:extLst>
+      <p:ext uri="{BB962C8B-B14F-4D97-AF65-F5344CB8AC3E}">
+        <p14:creationId xmlns:p14="http://schemas.microsoft.com/office/powerpoint/2010/main" val="4151720020"/>
+      </p:ext>
+    </p:extLst>
+  </p:cSld>
+  <p:clrMapOvr>
+    <a:masterClrMapping/>
+  </p:clrMapOvr>
+</p:sld>
+</file>
+
+<file path=ppt/slides/slide14.xml><?xml version="1.0" encoding="utf-8"?>
+<p:sld xmlns:a="http://schemas.openxmlformats.org/drawingml/2006/main" xmlns:r="http://schemas.openxmlformats.org/officeDocument/2006/relationships" xmlns:p="http://schemas.openxmlformats.org/presentationml/2006/main">
+  <p:cSld>
+    <p:spTree>
+      <p:nvGrpSpPr>
+        <p:cNvPr id="1" name=""/>
+        <p:cNvGrpSpPr/>
+        <p:nvPr/>
+      </p:nvGrpSpPr>
+      <p:grpSpPr>
+        <a:xfrm>
+          <a:off x="0" y="0"/>
+          <a:ext cx="0" cy="0"/>
+          <a:chOff x="0" y="0"/>
+          <a:chExt cx="0" cy="0"/>
+        </a:xfrm>
+      </p:grpSpPr>
+      <p:sp>
+        <p:nvSpPr>
+          <p:cNvPr id="5" name="TextBox 4">
+            <a:extLst>
+              <a:ext uri="{FF2B5EF4-FFF2-40B4-BE49-F238E27FC236}">
+                <a16:creationId xmlns:a16="http://schemas.microsoft.com/office/drawing/2014/main" id="{9D76B1E5-5928-4A0F-9FEB-EA2CFFB487F4}"/>
+              </a:ext>
+            </a:extLst>
+          </p:cNvPr>
+          <p:cNvSpPr txBox="1"/>
+          <p:nvPr/>
+        </p:nvSpPr>
+        <p:spPr>
+          <a:xfrm>
+            <a:off x="847725" y="590550"/>
+            <a:ext cx="7477125" cy="584775"/>
+          </a:xfrm>
+          <a:prstGeom prst="rect">
+            <a:avLst/>
+          </a:prstGeom>
+          <a:noFill/>
+        </p:spPr>
+        <p:txBody>
+          <a:bodyPr wrap="square" rtlCol="0">
+            <a:spAutoFit/>
+          </a:bodyPr>
+          <a:lstStyle/>
+          <a:p>
+            <a:r>
+              <a:rPr lang="en-US" altLang="zh-CN" sz="3200" dirty="0"/>
+              <a:t>CART: Classification and Regression Tree.</a:t>
+            </a:r>
+            <a:endParaRPr lang="en-US" sz="3200" dirty="0"/>
+          </a:p>
+        </p:txBody>
+      </p:sp>
+      <p:pic>
+        <p:nvPicPr>
+          <p:cNvPr id="6" name="Picture 5">
+            <a:extLst>
+              <a:ext uri="{FF2B5EF4-FFF2-40B4-BE49-F238E27FC236}">
+                <a16:creationId xmlns:a16="http://schemas.microsoft.com/office/drawing/2014/main" id="{3A50A904-691D-497A-ACE8-F23B043B34D5}"/>
+              </a:ext>
+            </a:extLst>
+          </p:cNvPr>
+          <p:cNvPicPr>
+            <a:picLocks noChangeAspect="1"/>
+          </p:cNvPicPr>
+          <p:nvPr/>
+        </p:nvPicPr>
+        <p:blipFill>
+          <a:blip r:embed="rId2"/>
+          <a:stretch>
+            <a:fillRect/>
+          </a:stretch>
+        </p:blipFill>
+        <p:spPr>
+          <a:xfrm>
+            <a:off x="1300162" y="2109787"/>
+            <a:ext cx="5838825" cy="3724275"/>
+          </a:xfrm>
+          <a:prstGeom prst="rect">
+            <a:avLst/>
+          </a:prstGeom>
+        </p:spPr>
+      </p:pic>
+    </p:spTree>
+    <p:extLst>
+      <p:ext uri="{BB962C8B-B14F-4D97-AF65-F5344CB8AC3E}">
+        <p14:creationId xmlns:p14="http://schemas.microsoft.com/office/powerpoint/2010/main" val="3392816057"/>
+      </p:ext>
+    </p:extLst>
+  </p:cSld>
+  <p:clrMapOvr>
+    <a:masterClrMapping/>
+  </p:clrMapOvr>
+</p:sld>
+</file>
+
+<file path=ppt/slides/slide15.xml><?xml version="1.0" encoding="utf-8"?>
+<p:sld xmlns:a="http://schemas.openxmlformats.org/drawingml/2006/main" xmlns:r="http://schemas.openxmlformats.org/officeDocument/2006/relationships" xmlns:p="http://schemas.openxmlformats.org/presentationml/2006/main">
+  <p:cSld>
+    <p:spTree>
+      <p:nvGrpSpPr>
+        <p:cNvPr id="1" name=""/>
+        <p:cNvGrpSpPr/>
+        <p:nvPr/>
+      </p:nvGrpSpPr>
+      <p:grpSpPr>
+        <a:xfrm>
+          <a:off x="0" y="0"/>
+          <a:ext cx="0" cy="0"/>
+          <a:chOff x="0" y="0"/>
+          <a:chExt cx="0" cy="0"/>
+        </a:xfrm>
+      </p:grpSpPr>
+      <p:sp>
+        <p:nvSpPr>
+          <p:cNvPr id="5" name="TextBox 4">
+            <a:extLst>
+              <a:ext uri="{FF2B5EF4-FFF2-40B4-BE49-F238E27FC236}">
+                <a16:creationId xmlns:a16="http://schemas.microsoft.com/office/drawing/2014/main" id="{9D76B1E5-5928-4A0F-9FEB-EA2CFFB487F4}"/>
+              </a:ext>
+            </a:extLst>
+          </p:cNvPr>
+          <p:cNvSpPr txBox="1"/>
+          <p:nvPr/>
+        </p:nvSpPr>
+        <p:spPr>
+          <a:xfrm>
+            <a:off x="847725" y="590550"/>
+            <a:ext cx="7477125" cy="584775"/>
+          </a:xfrm>
+          <a:prstGeom prst="rect">
+            <a:avLst/>
+          </a:prstGeom>
+          <a:noFill/>
+        </p:spPr>
+        <p:txBody>
+          <a:bodyPr wrap="square" rtlCol="0">
+            <a:spAutoFit/>
+          </a:bodyPr>
+          <a:lstStyle/>
+          <a:p>
+            <a:r>
+              <a:rPr lang="en-US" altLang="zh-CN" sz="3200" dirty="0"/>
+              <a:t>CART: Classification and Regression Tree.</a:t>
+            </a:r>
+            <a:endParaRPr lang="en-US" sz="3200" dirty="0"/>
+          </a:p>
+        </p:txBody>
+      </p:sp>
+      <p:sp>
+        <p:nvSpPr>
+          <p:cNvPr id="3" name="Content Placeholder 2">
+            <a:extLst>
+              <a:ext uri="{FF2B5EF4-FFF2-40B4-BE49-F238E27FC236}">
+                <a16:creationId xmlns:a16="http://schemas.microsoft.com/office/drawing/2014/main" id="{60542ABA-FA86-4869-8E32-05D3F5915F10}"/>
+              </a:ext>
+            </a:extLst>
+          </p:cNvPr>
+          <p:cNvSpPr>
+            <a:spLocks noGrp="1"/>
+          </p:cNvSpPr>
+          <p:nvPr>
+            <p:ph sz="quarter" idx="1"/>
+          </p:nvPr>
+        </p:nvSpPr>
+        <p:spPr/>
+        <p:txBody>
+          <a:bodyPr/>
+          <a:lstStyle/>
+          <a:p>
+            <a:endParaRPr lang="en-US"/>
+          </a:p>
+        </p:txBody>
+      </p:sp>
+    </p:spTree>
+    <p:extLst>
+      <p:ext uri="{BB962C8B-B14F-4D97-AF65-F5344CB8AC3E}">
+        <p14:creationId xmlns:p14="http://schemas.microsoft.com/office/powerpoint/2010/main" val="441455947"/>
+      </p:ext>
+    </p:extLst>
+  </p:cSld>
+  <p:clrMapOvr>
+    <a:masterClrMapping/>
+  </p:clrMapOvr>
+</p:sld>
+</file>
+
+<file path=ppt/slides/slide16.xml><?xml version="1.0" encoding="utf-8"?>
+<p:sld xmlns:a="http://schemas.openxmlformats.org/drawingml/2006/main" xmlns:r="http://schemas.openxmlformats.org/officeDocument/2006/relationships" xmlns:p="http://schemas.openxmlformats.org/presentationml/2006/main">
+  <p:cSld>
+    <p:spTree>
+      <p:nvGrpSpPr>
+        <p:cNvPr id="1" name=""/>
+        <p:cNvGrpSpPr/>
+        <p:nvPr/>
+      </p:nvGrpSpPr>
+      <p:grpSpPr>
+        <a:xfrm>
+          <a:off x="0" y="0"/>
+          <a:ext cx="0" cy="0"/>
+          <a:chOff x="0" y="0"/>
+          <a:chExt cx="0" cy="0"/>
+        </a:xfrm>
+      </p:grpSpPr>
+      <p:sp>
+        <p:nvSpPr>
+          <p:cNvPr id="5" name="TextBox 4">
+            <a:extLst>
+              <a:ext uri="{FF2B5EF4-FFF2-40B4-BE49-F238E27FC236}">
+                <a16:creationId xmlns:a16="http://schemas.microsoft.com/office/drawing/2014/main" id="{EDA510E1-9DE8-4F64-8421-B032F9271F86}"/>
+              </a:ext>
+            </a:extLst>
+          </p:cNvPr>
+          <p:cNvSpPr txBox="1"/>
+          <p:nvPr/>
+        </p:nvSpPr>
+        <p:spPr>
+          <a:xfrm>
+            <a:off x="847725" y="590550"/>
+            <a:ext cx="7477125" cy="584775"/>
+          </a:xfrm>
+          <a:prstGeom prst="rect">
+            <a:avLst/>
+          </a:prstGeom>
+          <a:noFill/>
+        </p:spPr>
+        <p:txBody>
+          <a:bodyPr wrap="square" rtlCol="0">
+            <a:spAutoFit/>
+          </a:bodyPr>
+          <a:lstStyle/>
+          <a:p>
+            <a:r>
+              <a:rPr lang="en-US" altLang="zh-CN" sz="3200" dirty="0"/>
+              <a:t>CART: Classification and Regression Tree.</a:t>
+            </a:r>
+            <a:endParaRPr lang="en-US" sz="3200" dirty="0"/>
+          </a:p>
+        </p:txBody>
+      </p:sp>
+      <p:pic>
+        <p:nvPicPr>
+          <p:cNvPr id="7" name="Picture 6">
+            <a:extLst>
+              <a:ext uri="{FF2B5EF4-FFF2-40B4-BE49-F238E27FC236}">
+                <a16:creationId xmlns:a16="http://schemas.microsoft.com/office/drawing/2014/main" id="{974967D0-E6CF-47A9-A2AE-6021B4F9D34E}"/>
+              </a:ext>
+            </a:extLst>
+          </p:cNvPr>
+          <p:cNvPicPr>
+            <a:picLocks noChangeAspect="1"/>
+          </p:cNvPicPr>
+          <p:nvPr/>
+        </p:nvPicPr>
+        <p:blipFill>
+          <a:blip r:embed="rId2"/>
+          <a:stretch>
+            <a:fillRect/>
+          </a:stretch>
+        </p:blipFill>
+        <p:spPr>
+          <a:xfrm>
+            <a:off x="1128712" y="1795462"/>
+            <a:ext cx="5991225" cy="4257675"/>
+          </a:xfrm>
+          <a:prstGeom prst="rect">
+            <a:avLst/>
+          </a:prstGeom>
+        </p:spPr>
+      </p:pic>
+    </p:spTree>
+    <p:extLst>
+      <p:ext uri="{BB962C8B-B14F-4D97-AF65-F5344CB8AC3E}">
+        <p14:creationId xmlns:p14="http://schemas.microsoft.com/office/powerpoint/2010/main" val="279421054"/>
+      </p:ext>
+    </p:extLst>
+  </p:cSld>
+  <p:clrMapOvr>
+    <a:masterClrMapping/>
+  </p:clrMapOvr>
+</p:sld>
+</file>
+
+<file path=ppt/slides/slide17.xml><?xml version="1.0" encoding="utf-8"?>
+<p:sld xmlns:a="http://schemas.openxmlformats.org/drawingml/2006/main" xmlns:r="http://schemas.openxmlformats.org/officeDocument/2006/relationships" xmlns:p="http://schemas.openxmlformats.org/presentationml/2006/main">
+  <p:cSld>
+    <p:spTree>
+      <p:nvGrpSpPr>
+        <p:cNvPr id="1" name=""/>
+        <p:cNvGrpSpPr/>
+        <p:nvPr/>
+      </p:nvGrpSpPr>
+      <p:grpSpPr>
+        <a:xfrm>
+          <a:off x="0" y="0"/>
+          <a:ext cx="0" cy="0"/>
+          <a:chOff x="0" y="0"/>
+          <a:chExt cx="0" cy="0"/>
+        </a:xfrm>
+      </p:grpSpPr>
+      <p:sp>
+        <p:nvSpPr>
+          <p:cNvPr id="5" name="TextBox 4">
+            <a:extLst>
+              <a:ext uri="{FF2B5EF4-FFF2-40B4-BE49-F238E27FC236}">
+                <a16:creationId xmlns:a16="http://schemas.microsoft.com/office/drawing/2014/main" id="{EDA510E1-9DE8-4F64-8421-B032F9271F86}"/>
+              </a:ext>
+            </a:extLst>
+          </p:cNvPr>
+          <p:cNvSpPr txBox="1"/>
+          <p:nvPr/>
+        </p:nvSpPr>
+        <p:spPr>
+          <a:xfrm>
+            <a:off x="847725" y="590550"/>
+            <a:ext cx="7477125" cy="584775"/>
+          </a:xfrm>
+          <a:prstGeom prst="rect">
+            <a:avLst/>
+          </a:prstGeom>
+          <a:noFill/>
+        </p:spPr>
+        <p:txBody>
+          <a:bodyPr wrap="square" rtlCol="0">
+            <a:spAutoFit/>
+          </a:bodyPr>
+          <a:lstStyle/>
+          <a:p>
+            <a:r>
+              <a:rPr lang="en-US" altLang="zh-CN" sz="3200" dirty="0"/>
+              <a:t>CART: Classification and Regression Tree.</a:t>
+            </a:r>
+            <a:endParaRPr lang="en-US" sz="3200" dirty="0"/>
+          </a:p>
+        </p:txBody>
+      </p:sp>
+      <p:pic>
+        <p:nvPicPr>
+          <p:cNvPr id="8" name="Picture 7">
+            <a:extLst>
+              <a:ext uri="{FF2B5EF4-FFF2-40B4-BE49-F238E27FC236}">
+                <a16:creationId xmlns:a16="http://schemas.microsoft.com/office/drawing/2014/main" id="{7D95E829-6B0E-4191-A4F1-4D97A0F6D10D}"/>
+              </a:ext>
+            </a:extLst>
+          </p:cNvPr>
+          <p:cNvPicPr>
+            <a:picLocks noChangeAspect="1"/>
+          </p:cNvPicPr>
+          <p:nvPr/>
+        </p:nvPicPr>
+        <p:blipFill>
+          <a:blip r:embed="rId2"/>
+          <a:stretch>
+            <a:fillRect/>
+          </a:stretch>
+        </p:blipFill>
+        <p:spPr>
+          <a:xfrm>
+            <a:off x="1047750" y="1728787"/>
+            <a:ext cx="5981700" cy="4124325"/>
+          </a:xfrm>
+          <a:prstGeom prst="rect">
+            <a:avLst/>
+          </a:prstGeom>
+        </p:spPr>
+      </p:pic>
+    </p:spTree>
+    <p:extLst>
+      <p:ext uri="{BB962C8B-B14F-4D97-AF65-F5344CB8AC3E}">
+        <p14:creationId xmlns:p14="http://schemas.microsoft.com/office/powerpoint/2010/main" val="964512600"/>
       </p:ext>
     </p:extLst>
   </p:cSld>
@@ -7427,8 +7941,8 @@
           </a:prstGeom>
         </p:spPr>
       </p:pic>
-      <mc:AlternateContent xmlns:mc="http://schemas.openxmlformats.org/markup-compatibility/2006">
-        <mc:Choice xmlns:a14="http://schemas.microsoft.com/office/drawing/2010/main" Requires="a14">
+      <mc:AlternateContent xmlns:mc="http://schemas.openxmlformats.org/markup-compatibility/2006" xmlns:a14="http://schemas.microsoft.com/office/drawing/2010/main">
+        <mc:Choice Requires="a14">
           <p:sp>
             <p:nvSpPr>
               <p:cNvPr id="12" name="TextBox 11">
@@ -7496,7 +8010,7 @@
             </p:txBody>
           </p:sp>
         </mc:Choice>
-        <mc:Fallback>
+        <mc:Fallback xmlns="">
           <p:sp>
             <p:nvSpPr>
               <p:cNvPr id="12" name="TextBox 11">
@@ -7979,31 +8493,36 @@
           </a:p>
         </p:txBody>
       </p:sp>
-      <p:sp>
-        <p:nvSpPr>
-          <p:cNvPr id="3" name="Content Placeholder 2">
+      <p:pic>
+        <p:nvPicPr>
+          <p:cNvPr id="4" name="Picture 3">
             <a:extLst>
               <a:ext uri="{FF2B5EF4-FFF2-40B4-BE49-F238E27FC236}">
-                <a16:creationId xmlns:a16="http://schemas.microsoft.com/office/drawing/2014/main" id="{80895C42-42FA-4C1D-94CF-FC239C6EDF50}"/>
+                <a16:creationId xmlns:a16="http://schemas.microsoft.com/office/drawing/2014/main" id="{85872043-8D3C-4EE4-8CA6-81431A940CD8}"/>
               </a:ext>
             </a:extLst>
           </p:cNvPr>
-          <p:cNvSpPr>
-            <a:spLocks noGrp="1"/>
-          </p:cNvSpPr>
-          <p:nvPr>
-            <p:ph sz="quarter" idx="1"/>
-          </p:nvPr>
-        </p:nvSpPr>
-        <p:spPr/>
-        <p:txBody>
-          <a:bodyPr/>
-          <a:lstStyle/>
-          <a:p>
-            <a:endParaRPr lang="en-US"/>
-          </a:p>
-        </p:txBody>
-      </p:sp>
+          <p:cNvPicPr>
+            <a:picLocks noChangeAspect="1"/>
+          </p:cNvPicPr>
+          <p:nvPr/>
+        </p:nvPicPr>
+        <p:blipFill>
+          <a:blip r:embed="rId2"/>
+          <a:stretch>
+            <a:fillRect/>
+          </a:stretch>
+        </p:blipFill>
+        <p:spPr>
+          <a:xfrm>
+            <a:off x="266700" y="1566862"/>
+            <a:ext cx="6477000" cy="2371725"/>
+          </a:xfrm>
+          <a:prstGeom prst="rect">
+            <a:avLst/>
+          </a:prstGeom>
+        </p:spPr>
+      </p:pic>
     </p:spTree>
     <p:extLst>
       <p:ext uri="{BB962C8B-B14F-4D97-AF65-F5344CB8AC3E}">
